--- a/4-fuzzing/lec41-intro-to-afl++-v2.pptx
+++ b/4-fuzzing/lec41-intro-to-afl++-v2.pptx
@@ -7416,7 +7416,25 @@
                   <a:ea typeface="나눔스퀘어 Bold" panose="020B0600000101010101" pitchFamily="50" charset="-127"/>
                   <a:cs typeface="Calibri" panose="020F0502020204030204" pitchFamily="34" charset="0"/>
                 </a:rPr>
-                <a:t>Test Input Generation </a:t>
+                <a:t>Test </a:t>
+              </a:r>
+              <a:r>
+                <a:rPr lang="en-US" altLang="ko-KR" sz="4000" b="1">
+                  <a:solidFill>
+                    <a:schemeClr val="bg1"/>
+                  </a:solidFill>
+                  <a:effectLst>
+                    <a:outerShdw blurRad="38100" dist="38100" dir="2700000" algn="tl">
+                      <a:srgbClr val="000000">
+                        <a:alpha val="43137"/>
+                      </a:srgbClr>
+                    </a:outerShdw>
+                  </a:effectLst>
+                  <a:latin typeface="나눔스퀘어 Bold" panose="020B0600000101010101" pitchFamily="50" charset="-127"/>
+                  <a:ea typeface="나눔스퀘어 Bold" panose="020B0600000101010101" pitchFamily="50" charset="-127"/>
+                  <a:cs typeface="Calibri" panose="020F0502020204030204" pitchFamily="34" charset="0"/>
+                </a:rPr>
+                <a:t>Input Generation  </a:t>
               </a:r>
               <a:br>
                 <a:rPr lang="en-US" altLang="ko-KR" sz="4000" b="1" dirty="0">
